--- a/powerpoint/Firstppt.pptx
+++ b/powerpoint/Firstppt.pptx
@@ -4041,7 +4041,7 @@
         </p:blipFill>
         <p:spPr bwMode="auto">
           <a:xfrm flipH="0" flipV="0">
-            <a:off x="1247795" y="1690687"/>
+            <a:off x="1575372" y="1638733"/>
             <a:ext cx="7268724" cy="1625743"/>
           </a:xfrm>
           <a:prstGeom prst="rect">
